--- a/LotteryData/LotteryData.pptx
+++ b/LotteryData/LotteryData.pptx
@@ -267,7 +267,7 @@
           <a:p>
             <a:fld id="{C814B6C0-49F2-7843-BEF0-7A095E920CA0}" type="datetimeFigureOut">
               <a:rPr lang="en-US" smtClean="0"/>
-              <a:t>9/29/25</a:t>
+              <a:t>11/15/25</a:t>
             </a:fld>
             <a:endParaRPr lang="en-US"/>
           </a:p>
@@ -465,7 +465,7 @@
           <a:p>
             <a:fld id="{C814B6C0-49F2-7843-BEF0-7A095E920CA0}" type="datetimeFigureOut">
               <a:rPr lang="en-US" smtClean="0"/>
-              <a:t>9/29/25</a:t>
+              <a:t>11/15/25</a:t>
             </a:fld>
             <a:endParaRPr lang="en-US"/>
           </a:p>
@@ -673,7 +673,7 @@
           <a:p>
             <a:fld id="{C814B6C0-49F2-7843-BEF0-7A095E920CA0}" type="datetimeFigureOut">
               <a:rPr lang="en-US" smtClean="0"/>
-              <a:t>9/29/25</a:t>
+              <a:t>11/15/25</a:t>
             </a:fld>
             <a:endParaRPr lang="en-US"/>
           </a:p>
@@ -871,7 +871,7 @@
           <a:p>
             <a:fld id="{C814B6C0-49F2-7843-BEF0-7A095E920CA0}" type="datetimeFigureOut">
               <a:rPr lang="en-US" smtClean="0"/>
-              <a:t>9/29/25</a:t>
+              <a:t>11/15/25</a:t>
             </a:fld>
             <a:endParaRPr lang="en-US"/>
           </a:p>
@@ -1146,7 +1146,7 @@
           <a:p>
             <a:fld id="{C814B6C0-49F2-7843-BEF0-7A095E920CA0}" type="datetimeFigureOut">
               <a:rPr lang="en-US" smtClean="0"/>
-              <a:t>9/29/25</a:t>
+              <a:t>11/15/25</a:t>
             </a:fld>
             <a:endParaRPr lang="en-US"/>
           </a:p>
@@ -1411,7 +1411,7 @@
           <a:p>
             <a:fld id="{C814B6C0-49F2-7843-BEF0-7A095E920CA0}" type="datetimeFigureOut">
               <a:rPr lang="en-US" smtClean="0"/>
-              <a:t>9/29/25</a:t>
+              <a:t>11/15/25</a:t>
             </a:fld>
             <a:endParaRPr lang="en-US"/>
           </a:p>
@@ -1823,7 +1823,7 @@
           <a:p>
             <a:fld id="{C814B6C0-49F2-7843-BEF0-7A095E920CA0}" type="datetimeFigureOut">
               <a:rPr lang="en-US" smtClean="0"/>
-              <a:t>9/29/25</a:t>
+              <a:t>11/15/25</a:t>
             </a:fld>
             <a:endParaRPr lang="en-US"/>
           </a:p>
@@ -1964,7 +1964,7 @@
           <a:p>
             <a:fld id="{C814B6C0-49F2-7843-BEF0-7A095E920CA0}" type="datetimeFigureOut">
               <a:rPr lang="en-US" smtClean="0"/>
-              <a:t>9/29/25</a:t>
+              <a:t>11/15/25</a:t>
             </a:fld>
             <a:endParaRPr lang="en-US"/>
           </a:p>
@@ -2077,7 +2077,7 @@
           <a:p>
             <a:fld id="{C814B6C0-49F2-7843-BEF0-7A095E920CA0}" type="datetimeFigureOut">
               <a:rPr lang="en-US" smtClean="0"/>
-              <a:t>9/29/25</a:t>
+              <a:t>11/15/25</a:t>
             </a:fld>
             <a:endParaRPr lang="en-US"/>
           </a:p>
@@ -2388,7 +2388,7 @@
           <a:p>
             <a:fld id="{C814B6C0-49F2-7843-BEF0-7A095E920CA0}" type="datetimeFigureOut">
               <a:rPr lang="en-US" smtClean="0"/>
-              <a:t>9/29/25</a:t>
+              <a:t>11/15/25</a:t>
             </a:fld>
             <a:endParaRPr lang="en-US"/>
           </a:p>
@@ -2676,7 +2676,7 @@
           <a:p>
             <a:fld id="{C814B6C0-49F2-7843-BEF0-7A095E920CA0}" type="datetimeFigureOut">
               <a:rPr lang="en-US" smtClean="0"/>
-              <a:t>9/29/25</a:t>
+              <a:t>11/15/25</a:t>
             </a:fld>
             <a:endParaRPr lang="en-US"/>
           </a:p>
@@ -2917,7 +2917,7 @@
           <a:p>
             <a:fld id="{C814B6C0-49F2-7843-BEF0-7A095E920CA0}" type="datetimeFigureOut">
               <a:rPr lang="en-US" smtClean="0"/>
-              <a:t>9/29/25</a:t>
+              <a:t>11/15/25</a:t>
             </a:fld>
             <a:endParaRPr lang="en-US"/>
           </a:p>
@@ -3554,7 +3554,7 @@
         </p:spPr>
         <p:txBody>
           <a:bodyPr vert="horz" lIns="91440" tIns="45720" rIns="91440" bIns="45720" rtlCol="0" anchor="t">
-            <a:normAutofit lnSpcReduction="10000"/>
+            <a:normAutofit/>
           </a:bodyPr>
           <a:lstStyle/>
           <a:p>
@@ -3627,37 +3627,14 @@
                 </a:solidFill>
               </a:rPr>
             </a:br>
-            <a:br>
-              <a:rPr lang="en-US" sz="2400" dirty="0">
-                <a:solidFill>
-                  <a:schemeClr val="tx2">
-                    <a:lumMod val="75000"/>
-                    <a:lumOff val="25000"/>
-                  </a:schemeClr>
-                </a:solidFill>
-              </a:rPr>
-            </a:br>
-            <a:br>
-              <a:rPr lang="en-US" sz="2400" dirty="0">
-                <a:solidFill>
-                  <a:schemeClr val="tx2">
-                    <a:lumMod val="75000"/>
-                    <a:lumOff val="25000"/>
-                  </a:schemeClr>
-                </a:solidFill>
-              </a:rPr>
-            </a:br>
-            <a:r>
-              <a:rPr lang="en-US" sz="2400" dirty="0">
-                <a:solidFill>
-                  <a:schemeClr val="tx2">
-                    <a:lumMod val="75000"/>
-                    <a:lumOff val="25000"/>
-                  </a:schemeClr>
-                </a:solidFill>
-              </a:rPr>
-              <a:t>Billie Adkins</a:t>
-            </a:r>
+            <a:endParaRPr lang="en-US" sz="2400" dirty="0">
+              <a:solidFill>
+                <a:schemeClr val="tx2">
+                  <a:lumMod val="75000"/>
+                  <a:lumOff val="25000"/>
+                </a:schemeClr>
+              </a:solidFill>
+            </a:endParaRPr>
           </a:p>
         </p:txBody>
       </p:sp>
